--- a/Documents/WVUPCC_QuestStoryBoard.pptx
+++ b/Documents/WVUPCC_QuestStoryBoard.pptx
@@ -111,6 +111,11 @@
       </a:defRPr>
     </a:lvl9pPr>
   </p:defaultTextStyle>
+  <p:extLst>
+    <p:ext uri="{EFAFB233-063F-42B5-8137-9DF3F51BA10A}">
+      <p15:sldGuideLst xmlns:p15="http://schemas.microsoft.com/office/powerpoint/2012/main"/>
+    </p:ext>
+  </p:extLst>
 </p:presentation>
 </file>
 
@@ -269,7 +274,7 @@
           <a:p>
             <a:fld id="{CA430C0A-5464-4FE4-84EB-FF9C94016DF4}" type="datetimeFigureOut">
               <a:rPr lang="en-US" dirty="0"/>
-              <a:t>12/8/2020</a:t>
+              <a:t>12/10/2020</a:t>
             </a:fld>
             <a:endParaRPr lang="en-US" dirty="0"/>
           </a:p>
@@ -435,7 +440,7 @@
           <a:p>
             <a:fld id="{E9F9C37B-1D36-470B-8223-D6C91242EC14}" type="datetimeFigureOut">
               <a:rPr lang="en-US" dirty="0"/>
-              <a:t>12/8/2020</a:t>
+              <a:t>12/10/2020</a:t>
             </a:fld>
             <a:endParaRPr lang="en-US" dirty="0"/>
           </a:p>
@@ -610,7 +615,7 @@
           <a:p>
             <a:fld id="{67C6F52A-A82B-47A2-A83A-8C4C91F2D59F}" type="datetimeFigureOut">
               <a:rPr lang="en-US" dirty="0"/>
-              <a:t>12/8/2020</a:t>
+              <a:t>12/10/2020</a:t>
             </a:fld>
             <a:endParaRPr lang="en-US" dirty="0"/>
           </a:p>
@@ -775,7 +780,7 @@
           <a:p>
             <a:fld id="{F070A7B3-6521-4DCA-87E5-044747A908C1}" type="datetimeFigureOut">
               <a:rPr lang="en-US" dirty="0"/>
-              <a:t>12/8/2020</a:t>
+              <a:t>12/10/2020</a:t>
             </a:fld>
             <a:endParaRPr lang="en-US" dirty="0"/>
           </a:p>
@@ -1031,7 +1036,7 @@
           <a:p>
             <a:fld id="{360C6404-AD6E-4860-8E75-697CA40B95DA}" type="datetimeFigureOut">
               <a:rPr lang="en-US" dirty="0"/>
-              <a:t>12/8/2020</a:t>
+              <a:t>12/10/2020</a:t>
             </a:fld>
             <a:endParaRPr lang="en-US" dirty="0"/>
           </a:p>
@@ -1259,7 +1264,7 @@
           <a:p>
             <a:fld id="{AB134690-1557-4C89-A502-4959FE7FAD70}" type="datetimeFigureOut">
               <a:rPr lang="en-US" dirty="0"/>
-              <a:t>12/8/2020</a:t>
+              <a:t>12/10/2020</a:t>
             </a:fld>
             <a:endParaRPr lang="en-US" dirty="0"/>
           </a:p>
@@ -1609,7 +1614,7 @@
           <a:p>
             <a:fld id="{4F7D4976-E339-4826-83B7-FBD03F55ECF8}" type="datetimeFigureOut">
               <a:rPr lang="en-US" dirty="0"/>
-              <a:t>12/8/2020</a:t>
+              <a:t>12/10/2020</a:t>
             </a:fld>
             <a:endParaRPr lang="en-US" dirty="0"/>
           </a:p>
@@ -1745,7 +1750,7 @@
           <a:p>
             <a:fld id="{E1037C31-9E7A-4F99-8774-A0E530DE1A42}" type="datetimeFigureOut">
               <a:rPr lang="en-US" dirty="0"/>
-              <a:t>12/8/2020</a:t>
+              <a:t>12/10/2020</a:t>
             </a:fld>
             <a:endParaRPr lang="en-US" dirty="0"/>
           </a:p>
@@ -1835,7 +1840,7 @@
           <a:p>
             <a:fld id="{C278504F-A551-4DE0-9316-4DCD1D8CC752}" type="datetimeFigureOut">
               <a:rPr lang="en-US" dirty="0"/>
-              <a:t>12/8/2020</a:t>
+              <a:t>12/10/2020</a:t>
             </a:fld>
             <a:endParaRPr lang="en-US" dirty="0"/>
           </a:p>
@@ -2187,7 +2192,7 @@
           <a:p>
             <a:fld id="{D1BE4249-C0D0-4B06-8692-E8BB871AF643}" type="datetimeFigureOut">
               <a:rPr lang="en-US" dirty="0"/>
-              <a:t>12/8/2020</a:t>
+              <a:t>12/10/2020</a:t>
             </a:fld>
             <a:endParaRPr lang="en-US" dirty="0"/>
           </a:p>
@@ -2500,7 +2505,7 @@
           <a:p>
             <a:fld id="{042B0DB6-F5C7-45FB-8CF3-31B45F9C2DAC}" type="datetimeFigureOut">
               <a:rPr lang="en-US" dirty="0"/>
-              <a:t>12/8/2020</a:t>
+              <a:t>12/10/2020</a:t>
             </a:fld>
             <a:endParaRPr lang="en-US" dirty="0"/>
           </a:p>
@@ -2740,7 +2745,7 @@
           <a:p>
             <a:fld id="{1160EA64-D806-43AC-9DF2-F8C432F32B4C}" type="datetimeFigureOut">
               <a:rPr lang="en-US" dirty="0"/>
-              <a:t>12/8/2020</a:t>
+              <a:t>12/10/2020</a:t>
             </a:fld>
             <a:endParaRPr lang="en-US" dirty="0"/>
           </a:p>
@@ -4098,7 +4103,7 @@
           <a:p>
             <a:r>
               <a:rPr lang="en-US" dirty="0"/>
-              <a:t>When the user clicks the application quest on the quest list, the quest info will display text that describes what the quest entails, and what the user must do to complete it.</a:t>
+              <a:t>When the user clicks the applicable quest on the quest list, the quest info will display text that describes what the quest entails, and what the user must do to complete it.</a:t>
             </a:r>
           </a:p>
         </p:txBody>
